--- a/materials/slides/ch08-1.pptx
+++ b/materials/slides/ch08-1.pptx
@@ -131,7 +131,7 @@
   </p:defaultTextStyle>
   <p:extLst>
     <p:ext uri="{EFAFB233-063F-42B5-8137-9DF3F51BA10A}">
-      <p15:sldGuideLst xmlns:p15="http://schemas.microsoft.com/office/powerpoint/2012/main">
+      <p15:sldGuideLst xmlns:p15="http://schemas.microsoft.com/office/powerpoint/2012/main" xmlns="">
         <p15:guide id="1" orient="horz" pos="2160" userDrawn="1">
           <p15:clr>
             <a:srgbClr val="A4A3A4"/>
@@ -153,7 +153,7 @@
   <p:cmAuthor id="1" name="Eetze" initials="E" lastIdx="1" clrIdx="0">
     <p:extLst>
       <p:ext uri="{19B8F6BF-5375-455C-9EA6-DF929625EA0E}">
-        <p15:presenceInfo xmlns:p15="http://schemas.microsoft.com/office/powerpoint/2012/main" userId="Eetze" providerId="None"/>
+        <p15:presenceInfo xmlns:p15="http://schemas.microsoft.com/office/powerpoint/2012/main" xmlns="" userId="Eetze" providerId="None"/>
       </p:ext>
     </p:extLst>
   </p:cmAuthor>
@@ -242,7 +242,7 @@
           <a:p>
             <a:fld id="{A097A4FE-15A4-4468-9890-CEB24014ACB3}" type="datetimeFigureOut">
               <a:rPr lang="zh-CN" altLang="en-US" smtClean="0"/>
-              <a:t>2018/3/29</a:t>
+              <a:t>2018/10/30</a:t>
             </a:fld>
             <a:endParaRPr lang="zh-CN" altLang="en-US"/>
           </a:p>
@@ -638,7 +638,7 @@
           <a:lstStyle/>
           <a:p>
             <a:r>
-              <a:rPr lang="en-US" altLang="zh-CN" sz="1200" b="0" i="0" kern="1200" smtClean="0">
+              <a:rPr lang="en-US" altLang="zh-CN" sz="1200" b="0" i="0" kern="1200" dirty="0" smtClean="0">
                 <a:solidFill>
                   <a:schemeClr val="tx1"/>
                 </a:solidFill>
@@ -650,7 +650,7 @@
               <a:t>MODE_PRIVATE</a:t>
             </a:r>
             <a:r>
-              <a:rPr lang="zh-CN" altLang="en-US" sz="1200" b="0" i="0" kern="1200" smtClean="0">
+              <a:rPr lang="zh-CN" altLang="en-US" sz="1200" b="0" i="0" kern="1200" dirty="0" smtClean="0">
                 <a:solidFill>
                   <a:schemeClr val="tx1"/>
                 </a:solidFill>
@@ -662,7 +662,7 @@
               <a:t>：为默认操作模式</a:t>
             </a:r>
             <a:r>
-              <a:rPr lang="en-US" altLang="zh-CN" sz="1200" b="0" i="0" kern="1200" smtClean="0">
+              <a:rPr lang="en-US" altLang="zh-CN" sz="1200" b="0" i="0" kern="1200" dirty="0" smtClean="0">
                 <a:solidFill>
                   <a:schemeClr val="tx1"/>
                 </a:solidFill>
@@ -674,7 +674,7 @@
               <a:t>,</a:t>
             </a:r>
             <a:r>
-              <a:rPr lang="zh-CN" altLang="en-US" sz="1200" b="0" i="0" kern="1200" smtClean="0">
+              <a:rPr lang="zh-CN" altLang="en-US" sz="1200" b="0" i="0" kern="1200" dirty="0" smtClean="0">
                 <a:solidFill>
                   <a:schemeClr val="tx1"/>
                 </a:solidFill>
@@ -686,7 +686,7 @@
               <a:t>代表该文件是私有数据</a:t>
             </a:r>
             <a:r>
-              <a:rPr lang="en-US" altLang="zh-CN" sz="1200" b="0" i="0" kern="1200" smtClean="0">
+              <a:rPr lang="en-US" altLang="zh-CN" sz="1200" b="0" i="0" kern="1200" dirty="0" smtClean="0">
                 <a:solidFill>
                   <a:schemeClr val="tx1"/>
                 </a:solidFill>
@@ -698,7 +698,7 @@
               <a:t>,</a:t>
             </a:r>
             <a:r>
-              <a:rPr lang="zh-CN" altLang="en-US" sz="1200" b="0" i="0" kern="1200" smtClean="0">
+              <a:rPr lang="zh-CN" altLang="en-US" sz="1200" b="0" i="0" kern="1200" dirty="0" smtClean="0">
                 <a:solidFill>
                   <a:schemeClr val="tx1"/>
                 </a:solidFill>
@@ -710,7 +710,7 @@
               <a:t>只能被应用本身访问</a:t>
             </a:r>
             <a:r>
-              <a:rPr lang="en-US" altLang="zh-CN" sz="1200" b="0" i="0" kern="1200" smtClean="0">
+              <a:rPr lang="en-US" altLang="zh-CN" sz="1200" b="0" i="0" kern="1200" dirty="0" smtClean="0">
                 <a:solidFill>
                   <a:schemeClr val="tx1"/>
                 </a:solidFill>
@@ -722,7 +722,7 @@
               <a:t>,</a:t>
             </a:r>
             <a:r>
-              <a:rPr lang="zh-CN" altLang="en-US" sz="1200" b="0" i="0" kern="1200" smtClean="0">
+              <a:rPr lang="zh-CN" altLang="en-US" sz="1200" b="0" i="0" kern="1200" dirty="0" smtClean="0">
                 <a:solidFill>
                   <a:schemeClr val="tx1"/>
                 </a:solidFill>
@@ -734,7 +734,7 @@
               <a:t>在该模式下</a:t>
             </a:r>
             <a:r>
-              <a:rPr lang="en-US" altLang="zh-CN" sz="1200" b="0" i="0" kern="1200" smtClean="0">
+              <a:rPr lang="en-US" altLang="zh-CN" sz="1200" b="0" i="0" kern="1200" dirty="0" smtClean="0">
                 <a:solidFill>
                   <a:schemeClr val="tx1"/>
                 </a:solidFill>
@@ -746,7 +746,7 @@
               <a:t>,</a:t>
             </a:r>
             <a:r>
-              <a:rPr lang="zh-CN" altLang="en-US" sz="1200" b="0" i="0" kern="1200" smtClean="0">
+              <a:rPr lang="zh-CN" altLang="en-US" sz="1200" b="0" i="0" kern="1200" dirty="0" smtClean="0">
                 <a:solidFill>
                   <a:schemeClr val="tx1"/>
                 </a:solidFill>
@@ -760,7 +760,18 @@
           </a:p>
           <a:p>
             <a:r>
-              <a:rPr lang="en-US" altLang="zh-CN" sz="1200" b="0" i="0" kern="1200" smtClean="0">
+              <a:rPr lang="en-US" altLang="zh-CN" sz="1200" dirty="0" smtClean="0">
+                <a:solidFill>
+                  <a:schemeClr val="tx1">
+                    <a:lumMod val="85000"/>
+                    <a:lumOff val="15000"/>
+                  </a:schemeClr>
+                </a:solidFill>
+              </a:rPr>
+              <a:t>MODE_MULTI_PROCESS</a:t>
+            </a:r>
+            <a:r>
+              <a:rPr lang="zh-CN" altLang="en-US" sz="1200" b="0" i="0" kern="1200" dirty="0" smtClean="0">
                 <a:solidFill>
                   <a:schemeClr val="tx1"/>
                 </a:solidFill>
@@ -769,10 +780,10 @@
                 <a:ea typeface="+mn-ea"/>
                 <a:cs typeface="+mn-cs"/>
               </a:rPr>
-              <a:t>MODE_APPEND</a:t>
-            </a:r>
-            <a:r>
-              <a:rPr lang="zh-CN" altLang="en-US" sz="1200" b="0" i="0" kern="1200" smtClean="0">
+              <a:t>：多进程形式</a:t>
+            </a:r>
+            <a:r>
+              <a:rPr lang="en-US" altLang="zh-CN" sz="1200" b="0" i="0" kern="1200" dirty="0" smtClean="0">
                 <a:solidFill>
                   <a:schemeClr val="tx1"/>
                 </a:solidFill>
@@ -781,10 +792,12 @@
                 <a:ea typeface="+mn-ea"/>
                 <a:cs typeface="+mn-cs"/>
               </a:rPr>
-              <a:t>：模式会检查文件是否存在</a:t>
-            </a:r>
-            <a:r>
-              <a:rPr lang="en-US" altLang="zh-CN" sz="1200" b="0" i="0" kern="1200" smtClean="0">
+              <a:t>.</a:t>
+            </a:r>
+          </a:p>
+          <a:p>
+            <a:r>
+              <a:rPr lang="en-US" altLang="zh-CN" sz="1200" b="0" i="0" kern="1200" dirty="0" smtClean="0">
                 <a:solidFill>
                   <a:schemeClr val="tx1"/>
                 </a:solidFill>
@@ -793,10 +806,10 @@
                 <a:ea typeface="+mn-ea"/>
                 <a:cs typeface="+mn-cs"/>
               </a:rPr>
-              <a:t>,</a:t>
-            </a:r>
-            <a:r>
-              <a:rPr lang="zh-CN" altLang="en-US" sz="1200" b="0" i="0" kern="1200" smtClean="0">
+              <a:t>MODE_WORLD_READABLE</a:t>
+            </a:r>
+            <a:r>
+              <a:rPr lang="zh-CN" altLang="en-US" sz="1200" b="0" i="0" kern="1200" dirty="0" smtClean="0">
                 <a:solidFill>
                   <a:schemeClr val="tx1"/>
                 </a:solidFill>
@@ -805,10 +818,10 @@
                 <a:ea typeface="+mn-ea"/>
                 <a:cs typeface="+mn-cs"/>
               </a:rPr>
-              <a:t>存在就往文件追加内容</a:t>
-            </a:r>
-            <a:r>
-              <a:rPr lang="en-US" altLang="zh-CN" sz="1200" b="0" i="0" kern="1200" smtClean="0">
+              <a:t>：表示当前文件可以被其他应用读取</a:t>
+            </a:r>
+            <a:r>
+              <a:rPr lang="en-US" altLang="zh-CN" sz="1200" b="0" i="0" kern="1200" dirty="0" smtClean="0">
                 <a:solidFill>
                   <a:schemeClr val="tx1"/>
                 </a:solidFill>
@@ -817,10 +830,12 @@
                 <a:ea typeface="+mn-ea"/>
                 <a:cs typeface="+mn-cs"/>
               </a:rPr>
-              <a:t>,</a:t>
-            </a:r>
-            <a:r>
-              <a:rPr lang="zh-CN" altLang="en-US" sz="1200" b="0" i="0" kern="1200" smtClean="0">
+              <a:t>.</a:t>
+            </a:r>
+          </a:p>
+          <a:p>
+            <a:r>
+              <a:rPr lang="en-US" altLang="zh-CN" sz="1200" b="0" i="0" kern="1200" dirty="0" smtClean="0">
                 <a:solidFill>
                   <a:schemeClr val="tx1"/>
                 </a:solidFill>
@@ -829,74 +844,10 @@
                 <a:ea typeface="+mn-ea"/>
                 <a:cs typeface="+mn-cs"/>
               </a:rPr>
-              <a:t>否则就创建新文件</a:t>
-            </a:r>
-            <a:r>
-              <a:rPr lang="en-US" altLang="zh-CN" sz="1200" b="0" i="0" kern="1200" smtClean="0">
-                <a:solidFill>
-                  <a:schemeClr val="tx1"/>
-                </a:solidFill>
-                <a:effectLst/>
-                <a:latin typeface="+mn-lt"/>
-                <a:ea typeface="+mn-ea"/>
-                <a:cs typeface="+mn-cs"/>
-              </a:rPr>
-              <a:t>.</a:t>
-            </a:r>
-          </a:p>
-          <a:p>
-            <a:r>
-              <a:rPr lang="en-US" altLang="zh-CN" sz="1200" b="0" i="0" kern="1200" smtClean="0">
-                <a:solidFill>
-                  <a:schemeClr val="tx1"/>
-                </a:solidFill>
-                <a:effectLst/>
-                <a:latin typeface="+mn-lt"/>
-                <a:ea typeface="+mn-ea"/>
-                <a:cs typeface="+mn-cs"/>
-              </a:rPr>
-              <a:t>MODE_WORLD_READABLE</a:t>
-            </a:r>
-            <a:r>
-              <a:rPr lang="zh-CN" altLang="en-US" sz="1200" b="0" i="0" kern="1200" smtClean="0">
-                <a:solidFill>
-                  <a:schemeClr val="tx1"/>
-                </a:solidFill>
-                <a:effectLst/>
-                <a:latin typeface="+mn-lt"/>
-                <a:ea typeface="+mn-ea"/>
-                <a:cs typeface="+mn-cs"/>
-              </a:rPr>
-              <a:t>：表示当前文件可以被其他应用读取</a:t>
-            </a:r>
-            <a:r>
-              <a:rPr lang="en-US" altLang="zh-CN" sz="1200" b="0" i="0" kern="1200" smtClean="0">
-                <a:solidFill>
-                  <a:schemeClr val="tx1"/>
-                </a:solidFill>
-                <a:effectLst/>
-                <a:latin typeface="+mn-lt"/>
-                <a:ea typeface="+mn-ea"/>
-                <a:cs typeface="+mn-cs"/>
-              </a:rPr>
-              <a:t>.</a:t>
-            </a:r>
-          </a:p>
-          <a:p>
-            <a:r>
-              <a:rPr lang="en-US" altLang="zh-CN" sz="1200" b="0" i="0" kern="1200" smtClean="0">
-                <a:solidFill>
-                  <a:schemeClr val="tx1"/>
-                </a:solidFill>
-                <a:effectLst/>
-                <a:latin typeface="+mn-lt"/>
-                <a:ea typeface="+mn-ea"/>
-                <a:cs typeface="+mn-cs"/>
-              </a:rPr>
               <a:t>MODE_WORLD_WRITEABLE</a:t>
             </a:r>
             <a:r>
-              <a:rPr lang="zh-CN" altLang="en-US" sz="1200" b="0" i="0" kern="1200" smtClean="0">
+              <a:rPr lang="zh-CN" altLang="en-US" sz="1200" b="0" i="0" kern="1200" dirty="0" smtClean="0">
                 <a:solidFill>
                   <a:schemeClr val="tx1"/>
                 </a:solidFill>
@@ -926,7 +877,7 @@
               <a:tabLst/>
               <a:defRPr/>
             </a:pPr>
-            <a:endParaRPr lang="en-US" altLang="zh-CN" sz="1200" b="0" i="0" kern="1200" smtClean="0">
+            <a:endParaRPr lang="en-US" altLang="zh-CN" sz="1200" b="0" i="0" kern="1200" dirty="0" smtClean="0">
               <a:solidFill>
                 <a:schemeClr val="tx1"/>
               </a:solidFill>
@@ -955,7 +906,7 @@
               <a:defRPr/>
             </a:pPr>
             <a:r>
-              <a:rPr lang="en-US" altLang="zh-CN" sz="1200" b="0" i="0" kern="1200" smtClean="0">
+              <a:rPr lang="en-US" altLang="zh-CN" sz="1200" b="0" i="0" kern="1200" dirty="0" err="1" smtClean="0">
                 <a:solidFill>
                   <a:schemeClr val="tx1"/>
                 </a:solidFill>
@@ -967,7 +918,7 @@
               <a:t>Context.MODE_WORLD_READABLE</a:t>
             </a:r>
             <a:r>
-              <a:rPr lang="zh-CN" altLang="en-US" sz="1200" b="0" i="0" kern="1200" smtClean="0">
+              <a:rPr lang="zh-CN" altLang="en-US" sz="1200" b="0" i="0" kern="1200" dirty="0" smtClean="0">
                 <a:solidFill>
                   <a:schemeClr val="tx1"/>
                 </a:solidFill>
@@ -979,7 +930,7 @@
               <a:t>和</a:t>
             </a:r>
             <a:r>
-              <a:rPr lang="en-US" altLang="zh-CN" sz="1200" b="0" i="0" kern="1200" smtClean="0">
+              <a:rPr lang="en-US" altLang="zh-CN" sz="1200" b="0" i="0" kern="1200" dirty="0" err="1" smtClean="0">
                 <a:solidFill>
                   <a:schemeClr val="tx1"/>
                 </a:solidFill>
@@ -991,7 +942,7 @@
               <a:t>Context.MODE_WORLD_WRITEABLE</a:t>
             </a:r>
             <a:r>
-              <a:rPr lang="zh-CN" altLang="en-US" sz="1200" b="0" i="0" kern="1200" smtClean="0">
+              <a:rPr lang="zh-CN" altLang="en-US" sz="1200" b="0" i="0" kern="1200" dirty="0" smtClean="0">
                 <a:solidFill>
                   <a:schemeClr val="tx1"/>
                 </a:solidFill>
@@ -1000,10 +951,10 @@
                 <a:ea typeface="+mn-ea"/>
                 <a:cs typeface="+mn-cs"/>
               </a:rPr>
-              <a:t>用来控制其他应用是否有权限读写该文件</a:t>
-            </a:r>
-            <a:r>
-              <a:rPr lang="en-US" altLang="zh-CN" sz="1200" b="0" i="0" kern="1200" smtClean="0">
+              <a:t>用来控制其他应用是否有权限读写该文件，已经不建议使用</a:t>
+            </a:r>
+            <a:r>
+              <a:rPr lang="en-US" altLang="zh-CN" sz="1200" b="0" i="0" kern="1200" dirty="0" smtClean="0">
                 <a:solidFill>
                   <a:schemeClr val="tx1"/>
                 </a:solidFill>
@@ -1016,7 +967,7 @@
             </a:r>
           </a:p>
           <a:p>
-            <a:endParaRPr lang="zh-CN" altLang="en-US"/>
+            <a:endParaRPr lang="zh-CN" altLang="en-US" dirty="0"/>
           </a:p>
         </p:txBody>
       </p:sp>
@@ -2125,7 +2076,7 @@
           <a:p>
             <a:fld id="{530820CF-B880-4189-942D-D702A7CBA730}" type="datetimeFigureOut">
               <a:rPr lang="zh-CN" altLang="en-US" smtClean="0"/>
-              <a:t>2018/3/29</a:t>
+              <a:t>2018/10/30</a:t>
             </a:fld>
             <a:endParaRPr lang="zh-CN" altLang="en-US"/>
           </a:p>
@@ -2244,7 +2195,7 @@
           <a:p>
             <a:fld id="{530820CF-B880-4189-942D-D702A7CBA730}" type="datetimeFigureOut">
               <a:rPr lang="zh-CN" altLang="en-US" smtClean="0"/>
-              <a:t>2018/3/29</a:t>
+              <a:t>2018/10/30</a:t>
             </a:fld>
             <a:endParaRPr lang="zh-CN" altLang="en-US"/>
           </a:p>
@@ -2647,7 +2598,7 @@
           <a:p>
             <a:fld id="{530820CF-B880-4189-942D-D702A7CBA730}" type="datetimeFigureOut">
               <a:rPr lang="zh-CN" altLang="en-US" smtClean="0"/>
-              <a:t>2018/3/29</a:t>
+              <a:t>2018/10/30</a:t>
             </a:fld>
             <a:endParaRPr lang="zh-CN" altLang="en-US"/>
           </a:p>
@@ -3195,18 +3146,22 @@
           <a:lstStyle/>
           <a:p>
             <a:r>
-              <a:rPr lang="zh-CN" altLang="en-US"/>
-              <a:t>第八章 第一讲</a:t>
+              <a:rPr lang="zh-CN" altLang="en-US" dirty="0" smtClean="0"/>
+              <a:t>第七章 </a:t>
+            </a:r>
+            <a:r>
+              <a:rPr lang="zh-CN" altLang="en-US" dirty="0"/>
+              <a:t>第一讲</a:t>
             </a:r>
             <a:br>
-              <a:rPr lang="zh-CN" altLang="en-US"/>
+              <a:rPr lang="zh-CN" altLang="en-US" dirty="0"/>
             </a:br>
             <a:r>
-              <a:rPr lang="en-US" altLang="zh-CN"/>
+              <a:rPr lang="en-US" altLang="zh-CN" dirty="0"/>
               <a:t>Android</a:t>
             </a:r>
             <a:r>
-              <a:rPr lang="zh-CN" altLang="en-US"/>
+              <a:rPr lang="zh-CN" altLang="en-US" dirty="0"/>
               <a:t>的文件操作</a:t>
             </a:r>
           </a:p>
@@ -3833,33 +3788,7 @@
                 <a:latin typeface="Consolas" panose="020B0609020204030204" pitchFamily="49" charset="0"/>
                 <a:ea typeface="微软雅黑" panose="020B0503020204020204" pitchFamily="34" charset="-122"/>
               </a:rPr>
-              <a:t>prefenences = </a:t>
-            </a:r>
-            <a:r>
-              <a:rPr lang="en-US" altLang="zh-CN" sz="2800" b="1">
-                <a:solidFill>
-                  <a:schemeClr val="tx1">
-                    <a:lumMod val="85000"/>
-                    <a:lumOff val="15000"/>
-                  </a:schemeClr>
-                </a:solidFill>
-                <a:latin typeface="Consolas" panose="020B0609020204030204" pitchFamily="49" charset="0"/>
-                <a:ea typeface="微软雅黑" panose="020B0503020204020204" pitchFamily="34" charset="-122"/>
-              </a:rPr>
-              <a:t>getSharedPreferences(sharename</a:t>
-            </a:r>
-            <a:r>
-              <a:rPr lang="en-US" altLang="zh-CN" sz="2800" b="1">
-                <a:solidFill>
-                  <a:schemeClr val="tx1">
-                    <a:lumMod val="85000"/>
-                    <a:lumOff val="15000"/>
-                  </a:schemeClr>
-                </a:solidFill>
-                <a:latin typeface="Consolas" panose="020B0609020204030204" pitchFamily="49" charset="0"/>
-                <a:ea typeface="微软雅黑" panose="020B0503020204020204" pitchFamily="34" charset="-122"/>
-              </a:rPr>
-              <a:t>, </a:t>
+              <a:t>prefenences = getSharedPreferences(sharename, </a:t>
             </a:r>
             <a:endParaRPr lang="en-US" altLang="zh-CN" sz="2800" b="1" smtClean="0">
               <a:solidFill>
@@ -3915,16 +3844,6 @@
               </a:rPr>
               <a:t>);</a:t>
             </a:r>
-            <a:endParaRPr lang="en-US" altLang="zh-CN" sz="2800" b="1">
-              <a:solidFill>
-                <a:schemeClr val="tx1">
-                  <a:lumMod val="85000"/>
-                  <a:lumOff val="15000"/>
-                </a:schemeClr>
-              </a:solidFill>
-              <a:latin typeface="Consolas" panose="020B0609020204030204" pitchFamily="49" charset="0"/>
-              <a:ea typeface="微软雅黑" panose="020B0503020204020204" pitchFamily="34" charset="-122"/>
-            </a:endParaRPr>
           </a:p>
           <a:p>
             <a:pPr>
@@ -4098,16 +4017,6 @@
               </a:rPr>
               <a:t>);</a:t>
             </a:r>
-            <a:endParaRPr lang="en-US" altLang="zh-CN" sz="2800" b="1">
-              <a:solidFill>
-                <a:schemeClr val="tx1">
-                  <a:lumMod val="85000"/>
-                  <a:lumOff val="15000"/>
-                </a:schemeClr>
-              </a:solidFill>
-              <a:latin typeface="Consolas" panose="020B0609020204030204" pitchFamily="49" charset="0"/>
-              <a:ea typeface="微软雅黑" panose="020B0503020204020204" pitchFamily="34" charset="-122"/>
-            </a:endParaRPr>
           </a:p>
           <a:p>
             <a:pPr>
@@ -4577,21 +4486,10 @@
                   </a:schemeClr>
                 </a:solidFill>
               </a:rPr>
-              <a:t>的本质是文件</a:t>
-            </a:r>
-            <a:r>
-              <a:rPr lang="zh-CN" altLang="en-US" sz="3200">
-                <a:solidFill>
-                  <a:schemeClr val="tx1">
-                    <a:lumMod val="85000"/>
-                    <a:lumOff val="15000"/>
-                  </a:schemeClr>
-                </a:solidFill>
-              </a:rPr>
-              <a:t>读写</a:t>
-            </a:r>
-            <a:r>
-              <a:rPr lang="zh-CN" altLang="en-US" sz="3200" smtClean="0">
+              <a:t>的本质是文件读写</a:t>
+            </a:r>
+            <a:r>
+              <a:rPr lang="zh-CN" altLang="en-US" sz="3200" dirty="0" smtClean="0">
                 <a:solidFill>
                   <a:schemeClr val="tx1">
                     <a:lumMod val="85000"/>
@@ -4601,7 +4499,7 @@
               </a:rPr>
               <a:t>。</a:t>
             </a:r>
-            <a:endParaRPr lang="en-US" altLang="zh-CN" sz="3200" smtClean="0">
+            <a:endParaRPr lang="en-US" altLang="zh-CN" sz="3200" dirty="0" smtClean="0">
               <a:solidFill>
                 <a:schemeClr val="tx1">
                   <a:lumMod val="85000"/>
@@ -4612,7 +4510,7 @@
           </a:p>
           <a:p>
             <a:r>
-              <a:rPr lang="zh-CN" altLang="en-US" sz="3200" smtClean="0">
+              <a:rPr lang="zh-CN" altLang="en-US" sz="3200" dirty="0" smtClean="0">
                 <a:solidFill>
                   <a:schemeClr val="tx1">
                     <a:lumMod val="85000"/>
@@ -4623,7 +4521,7 @@
               <a:t>位置是 </a:t>
             </a:r>
             <a:r>
-              <a:rPr lang="en-US" altLang="zh-CN" sz="2600" smtClean="0">
+              <a:rPr lang="en-US" altLang="zh-CN" sz="2600" dirty="0" smtClean="0">
                 <a:solidFill>
                   <a:schemeClr val="tx1">
                     <a:lumMod val="85000"/>
@@ -4634,7 +4532,7 @@
               <a:t>/</a:t>
             </a:r>
             <a:r>
-              <a:rPr lang="en-US" altLang="zh-CN" sz="2600">
+              <a:rPr lang="en-US" altLang="zh-CN" sz="2600" dirty="0">
                 <a:solidFill>
                   <a:schemeClr val="tx1">
                     <a:lumMod val="85000"/>
@@ -6905,21 +6803,10 @@
                   </a:schemeClr>
                 </a:solidFill>
               </a:rPr>
-              <a:t>对于文件的操作通过流</a:t>
-            </a:r>
-            <a:r>
-              <a:rPr lang="zh-CN" altLang="en-US" sz="3200">
-                <a:solidFill>
-                  <a:schemeClr val="tx1">
-                    <a:lumMod val="85000"/>
-                    <a:lumOff val="15000"/>
-                  </a:schemeClr>
-                </a:solidFill>
-              </a:rPr>
-              <a:t>来</a:t>
-            </a:r>
-            <a:r>
-              <a:rPr lang="zh-CN" altLang="en-US" sz="3200" smtClean="0">
+              <a:t>对于文件的操作通过流来</a:t>
+            </a:r>
+            <a:r>
+              <a:rPr lang="zh-CN" altLang="en-US" sz="3200" dirty="0" smtClean="0">
                 <a:solidFill>
                   <a:schemeClr val="tx1">
                     <a:lumMod val="85000"/>
@@ -6930,7 +6817,7 @@
               <a:t>实现</a:t>
             </a:r>
             <a:r>
-              <a:rPr lang="zh-CN" altLang="en-US" sz="3200">
+              <a:rPr lang="zh-CN" altLang="en-US" sz="3200" dirty="0">
                 <a:solidFill>
                   <a:schemeClr val="tx1">
                     <a:lumMod val="85000"/>
@@ -7064,21 +6951,10 @@
                   </a:schemeClr>
                 </a:solidFill>
               </a:rPr>
-              <a:t>本应用程序内部的</a:t>
-            </a:r>
-            <a:r>
-              <a:rPr lang="zh-CN" altLang="en-US" sz="3200">
-                <a:solidFill>
-                  <a:schemeClr val="tx1">
-                    <a:lumMod val="85000"/>
-                    <a:lumOff val="15000"/>
-                  </a:schemeClr>
-                </a:solidFill>
-              </a:rPr>
-              <a:t>数据</a:t>
-            </a:r>
-            <a:r>
-              <a:rPr lang="zh-CN" altLang="en-US" sz="3200" smtClean="0">
+              <a:t>本应用程序内部的数据</a:t>
+            </a:r>
+            <a:r>
+              <a:rPr lang="zh-CN" altLang="en-US" sz="3200" dirty="0" smtClean="0">
                 <a:solidFill>
                   <a:schemeClr val="tx1">
                     <a:lumMod val="85000"/>
@@ -7123,21 +6999,10 @@
                   </a:schemeClr>
                 </a:solidFill>
               </a:rPr>
-              <a:t>卡上</a:t>
-            </a:r>
-            <a:r>
-              <a:rPr lang="zh-CN" altLang="en-US" sz="3200">
-                <a:solidFill>
-                  <a:schemeClr val="tx1">
-                    <a:lumMod val="85000"/>
-                    <a:lumOff val="15000"/>
-                  </a:schemeClr>
-                </a:solidFill>
-              </a:rPr>
-              <a:t>的</a:t>
-            </a:r>
-            <a:r>
-              <a:rPr lang="zh-CN" altLang="en-US" sz="3200" smtClean="0">
+              <a:t>卡上的</a:t>
+            </a:r>
+            <a:r>
+              <a:rPr lang="zh-CN" altLang="en-US" sz="3200" dirty="0" smtClean="0">
                 <a:solidFill>
                   <a:schemeClr val="tx1">
                     <a:lumMod val="85000"/>
@@ -7714,21 +7579,10 @@
                   </a:schemeClr>
                 </a:solidFill>
               </a:rPr>
-              <a:t>提供</a:t>
-            </a:r>
-            <a:r>
-              <a:rPr lang="zh-CN" altLang="en-US" sz="3200">
-                <a:solidFill>
-                  <a:schemeClr val="tx1">
-                    <a:lumMod val="85000"/>
-                    <a:lumOff val="15000"/>
-                  </a:schemeClr>
-                </a:solidFill>
-              </a:rPr>
-              <a:t>了</a:t>
-            </a:r>
-            <a:r>
-              <a:rPr lang="zh-CN" altLang="en-US" sz="3200" smtClean="0">
+              <a:t>提供了</a:t>
+            </a:r>
+            <a:r>
+              <a:rPr lang="zh-CN" altLang="en-US" sz="3200" dirty="0" smtClean="0">
                 <a:solidFill>
                   <a:schemeClr val="tx1">
                     <a:lumMod val="85000"/>
@@ -7765,7 +7619,7 @@
               </a:spcBef>
             </a:pPr>
             <a:r>
-              <a:rPr lang="en-US" altLang="zh-CN" sz="2800" b="1" err="1">
+              <a:rPr lang="en-US" altLang="zh-CN" sz="2800" b="1" dirty="0" err="1">
                 <a:solidFill>
                   <a:schemeClr val="tx1">
                     <a:lumMod val="85000"/>
@@ -7777,7 +7631,7 @@
               <a:t>getDir</a:t>
             </a:r>
             <a:r>
-              <a:rPr lang="en-US" altLang="zh-CN" sz="2800" b="1">
+              <a:rPr lang="en-US" altLang="zh-CN" sz="2800" b="1" dirty="0">
                 <a:solidFill>
                   <a:schemeClr val="tx1">
                     <a:lumMod val="85000"/>
@@ -7786,10 +7640,10 @@
                 </a:solidFill>
                 <a:latin typeface="Consolas" panose="020B0609020204030204" pitchFamily="49" charset="0"/>
               </a:rPr>
-              <a:t>(</a:t>
-            </a:r>
-            <a:r>
-              <a:rPr lang="en-US" altLang="zh-CN" sz="2800" b="1" err="1">
+              <a:t>(name</a:t>
+            </a:r>
+            <a:r>
+              <a:rPr lang="en-US" altLang="zh-CN" sz="2800" b="1" dirty="0" smtClean="0">
                 <a:solidFill>
                   <a:schemeClr val="tx1">
                     <a:lumMod val="85000"/>
@@ -7798,62 +7652,58 @@
                 </a:solidFill>
                 <a:latin typeface="Consolas" panose="020B0609020204030204" pitchFamily="49" charset="0"/>
               </a:rPr>
+              <a:t>, mode) </a:t>
+            </a:r>
+            <a:r>
+              <a:rPr lang="zh-CN" altLang="en-US" sz="2800" dirty="0" smtClean="0">
+                <a:solidFill>
+                  <a:schemeClr val="tx1">
+                    <a:lumMod val="85000"/>
+                    <a:lumOff val="15000"/>
+                  </a:schemeClr>
+                </a:solidFill>
+              </a:rPr>
+              <a:t>：</a:t>
+            </a:r>
+            <a:r>
+              <a:rPr lang="zh-CN" altLang="en-US" sz="2800" dirty="0" smtClean="0">
+                <a:solidFill>
+                  <a:srgbClr val="C00000"/>
+                </a:solidFill>
+              </a:rPr>
+              <a:t>在</a:t>
+            </a:r>
+            <a:r>
+              <a:rPr lang="zh-CN" altLang="en-US" sz="2800" dirty="0">
+                <a:solidFill>
+                  <a:srgbClr val="C00000"/>
+                </a:solidFill>
+              </a:rPr>
+              <a:t>应用程序的数据文件夹</a:t>
+            </a:r>
+            <a:r>
+              <a:rPr lang="zh-CN" altLang="en-US" sz="2800" dirty="0" smtClean="0">
+                <a:solidFill>
+                  <a:srgbClr val="C00000"/>
+                </a:solidFill>
+              </a:rPr>
+              <a:t>下获取</a:t>
+            </a:r>
+            <a:r>
+              <a:rPr lang="en-US" altLang="zh-CN" sz="2800" dirty="0" smtClean="0">
+                <a:solidFill>
+                  <a:srgbClr val="C00000"/>
+                </a:solidFill>
+              </a:rPr>
               <a:t>name</a:t>
             </a:r>
             <a:r>
-              <a:rPr lang="en-US" altLang="zh-CN" sz="2800" b="1" smtClean="0">
-                <a:solidFill>
-                  <a:schemeClr val="tx1">
-                    <a:lumMod val="85000"/>
-                    <a:lumOff val="15000"/>
-                  </a:schemeClr>
-                </a:solidFill>
-                <a:latin typeface="Consolas" panose="020B0609020204030204" pitchFamily="49" charset="0"/>
-              </a:rPr>
-              <a:t>, mode) </a:t>
-            </a:r>
-            <a:r>
               <a:rPr lang="zh-CN" altLang="en-US" sz="2800" smtClean="0">
                 <a:solidFill>
-                  <a:schemeClr val="tx1">
-                    <a:lumMod val="85000"/>
-                    <a:lumOff val="15000"/>
-                  </a:schemeClr>
-                </a:solidFill>
-              </a:rPr>
-              <a:t>：</a:t>
-            </a:r>
-            <a:r>
-              <a:rPr lang="zh-CN" altLang="en-US" sz="2800" smtClean="0">
-                <a:solidFill>
                   <a:srgbClr val="C00000"/>
                 </a:solidFill>
               </a:rPr>
-              <a:t>在</a:t>
-            </a:r>
-            <a:r>
-              <a:rPr lang="zh-CN" altLang="en-US" sz="2800" dirty="0">
-                <a:solidFill>
-                  <a:srgbClr val="C00000"/>
-                </a:solidFill>
-              </a:rPr>
-              <a:t>应用程序的数据</a:t>
-            </a:r>
-            <a:r>
-              <a:rPr lang="zh-CN" altLang="en-US" sz="2800">
-                <a:solidFill>
-                  <a:srgbClr val="C00000"/>
-                </a:solidFill>
-              </a:rPr>
-              <a:t>文件夹</a:t>
-            </a:r>
-            <a:r>
-              <a:rPr lang="zh-CN" altLang="en-US" sz="2800" smtClean="0">
-                <a:solidFill>
-                  <a:srgbClr val="C00000"/>
-                </a:solidFill>
-              </a:rPr>
-              <a:t>下</a:t>
+              <a:t>对应的子目录</a:t>
             </a:r>
             <a:r>
               <a:rPr lang="zh-CN" altLang="en-US" sz="2800" smtClean="0">
@@ -7894,7 +7744,7 @@
               <a:t>File </a:t>
             </a:r>
             <a:r>
-              <a:rPr lang="en-US" altLang="zh-CN" sz="2800" b="1" err="1">
+              <a:rPr lang="en-US" altLang="zh-CN" sz="2800" b="1" dirty="0" err="1">
                 <a:solidFill>
                   <a:schemeClr val="tx1">
                     <a:lumMod val="85000"/>
@@ -7906,7 +7756,7 @@
               <a:t>getFilesDir</a:t>
             </a:r>
             <a:r>
-              <a:rPr lang="en-US" altLang="zh-CN" sz="2800" b="1" smtClean="0">
+              <a:rPr lang="en-US" altLang="zh-CN" sz="2800" b="1" dirty="0" smtClean="0">
                 <a:solidFill>
                   <a:schemeClr val="tx1">
                     <a:lumMod val="85000"/>
@@ -7918,7 +7768,7 @@
               <a:t>() </a:t>
             </a:r>
             <a:r>
-              <a:rPr lang="zh-CN" altLang="en-US" sz="2800" smtClean="0">
+              <a:rPr lang="zh-CN" altLang="en-US" sz="2800" dirty="0" smtClean="0">
                 <a:solidFill>
                   <a:schemeClr val="tx1">
                     <a:lumMod val="85000"/>
@@ -7937,21 +7787,10 @@
                   </a:schemeClr>
                 </a:solidFill>
               </a:rPr>
-              <a:t>应用程序数据文件夹的</a:t>
-            </a:r>
-            <a:r>
-              <a:rPr lang="zh-CN" altLang="en-US" sz="2800">
-                <a:solidFill>
-                  <a:schemeClr val="tx1">
-                    <a:lumMod val="85000"/>
-                    <a:lumOff val="15000"/>
-                  </a:schemeClr>
-                </a:solidFill>
-              </a:rPr>
-              <a:t>绝对</a:t>
-            </a:r>
-            <a:r>
-              <a:rPr lang="zh-CN" altLang="en-US" sz="2800" smtClean="0">
+              <a:t>应用程序数据文件夹的绝对</a:t>
+            </a:r>
+            <a:r>
+              <a:rPr lang="zh-CN" altLang="en-US" sz="2800" dirty="0" smtClean="0">
                 <a:solidFill>
                   <a:schemeClr val="tx1">
                     <a:lumMod val="85000"/>
@@ -7989,7 +7828,7 @@
               <a:t>String[] </a:t>
             </a:r>
             <a:r>
-              <a:rPr lang="en-US" altLang="zh-CN" sz="2800" b="1" err="1">
+              <a:rPr lang="en-US" altLang="zh-CN" sz="2800" b="1" dirty="0" err="1">
                 <a:solidFill>
                   <a:schemeClr val="tx1">
                     <a:lumMod val="85000"/>
@@ -8001,7 +7840,7 @@
               <a:t>fileList</a:t>
             </a:r>
             <a:r>
-              <a:rPr lang="en-US" altLang="zh-CN" sz="2800" b="1" smtClean="0">
+              <a:rPr lang="en-US" altLang="zh-CN" sz="2800" b="1" dirty="0" smtClean="0">
                 <a:solidFill>
                   <a:schemeClr val="tx1">
                     <a:lumMod val="85000"/>
@@ -8013,7 +7852,7 @@
               <a:t>()</a:t>
             </a:r>
             <a:r>
-              <a:rPr lang="zh-CN" altLang="en-US" sz="2800" smtClean="0">
+              <a:rPr lang="zh-CN" altLang="en-US" sz="2800" dirty="0" smtClean="0">
                 <a:solidFill>
                   <a:schemeClr val="tx1">
                     <a:lumMod val="85000"/>
@@ -8032,21 +7871,10 @@
                   </a:schemeClr>
                 </a:solidFill>
               </a:rPr>
-              <a:t>应用程序数据文件夹的</a:t>
-            </a:r>
-            <a:r>
-              <a:rPr lang="zh-CN" altLang="en-US" sz="2800">
-                <a:solidFill>
-                  <a:schemeClr val="tx1">
-                    <a:lumMod val="85000"/>
-                    <a:lumOff val="15000"/>
-                  </a:schemeClr>
-                </a:solidFill>
-              </a:rPr>
-              <a:t>全部</a:t>
-            </a:r>
-            <a:r>
-              <a:rPr lang="zh-CN" altLang="en-US" sz="2800" smtClean="0">
+              <a:t>应用程序数据文件夹的全部</a:t>
+            </a:r>
+            <a:r>
+              <a:rPr lang="zh-CN" altLang="en-US" sz="2800" dirty="0" smtClean="0">
                 <a:solidFill>
                   <a:schemeClr val="tx1">
                     <a:lumMod val="85000"/>
@@ -8072,7 +7900,7 @@
               </a:spcBef>
             </a:pPr>
             <a:r>
-              <a:rPr lang="en-US" altLang="zh-CN" sz="2800" b="1" err="1">
+              <a:rPr lang="en-US" altLang="zh-CN" sz="2800" b="1" dirty="0" err="1">
                 <a:solidFill>
                   <a:schemeClr val="tx1">
                     <a:lumMod val="85000"/>
@@ -8084,7 +7912,7 @@
               <a:t>deleteFile</a:t>
             </a:r>
             <a:r>
-              <a:rPr lang="en-US" altLang="zh-CN" sz="2800" b="1">
+              <a:rPr lang="en-US" altLang="zh-CN" sz="2800" b="1" dirty="0">
                 <a:solidFill>
                   <a:schemeClr val="tx1">
                     <a:lumMod val="85000"/>
@@ -8096,7 +7924,7 @@
               <a:t>(String</a:t>
             </a:r>
             <a:r>
-              <a:rPr lang="en-US" altLang="zh-CN" sz="2800" b="1" smtClean="0">
+              <a:rPr lang="en-US" altLang="zh-CN" sz="2800" b="1" dirty="0" smtClean="0">
                 <a:solidFill>
                   <a:schemeClr val="tx1">
                     <a:lumMod val="85000"/>
@@ -8108,7 +7936,7 @@
               <a:t>) </a:t>
             </a:r>
             <a:r>
-              <a:rPr lang="zh-CN" altLang="en-US" sz="2800" smtClean="0">
+              <a:rPr lang="zh-CN" altLang="en-US" sz="2800" dirty="0" smtClean="0">
                 <a:solidFill>
                   <a:schemeClr val="tx1">
                     <a:lumMod val="85000"/>
@@ -8120,7 +7948,7 @@
               <a:t>：</a:t>
             </a:r>
             <a:r>
-              <a:rPr lang="zh-CN" altLang="en-US" sz="2800" smtClean="0">
+              <a:rPr lang="zh-CN" altLang="en-US" sz="2800" dirty="0" smtClean="0">
                 <a:solidFill>
                   <a:schemeClr val="tx1">
                     <a:lumMod val="85000"/>
@@ -8139,21 +7967,10 @@
                   </a:schemeClr>
                 </a:solidFill>
               </a:rPr>
-              <a:t>应用程序数据文件夹</a:t>
-            </a:r>
-            <a:r>
-              <a:rPr lang="zh-CN" altLang="en-US" sz="2800">
-                <a:solidFill>
-                  <a:schemeClr val="tx1">
-                    <a:lumMod val="85000"/>
-                    <a:lumOff val="15000"/>
-                  </a:schemeClr>
-                </a:solidFill>
-              </a:rPr>
-              <a:t>某个</a:t>
-            </a:r>
-            <a:r>
-              <a:rPr lang="zh-CN" altLang="en-US" sz="2800" smtClean="0">
+              <a:t>应用程序数据文件夹某个</a:t>
+            </a:r>
+            <a:r>
+              <a:rPr lang="zh-CN" altLang="en-US" sz="2800" dirty="0" smtClean="0">
                 <a:solidFill>
                   <a:schemeClr val="tx1">
                     <a:lumMod val="85000"/>
@@ -9869,7 +9686,7 @@
               <a:defRPr/>
             </a:pPr>
             <a:r>
-              <a:rPr lang="en-US" altLang="zh-CN" sz="2400" b="1">
+              <a:rPr lang="en-US" altLang="zh-CN" sz="2400" b="1" dirty="0" smtClean="0">
                 <a:solidFill>
                   <a:schemeClr val="tx1">
                     <a:lumMod val="85000"/>
@@ -9879,10 +9696,10 @@
                 <a:latin typeface="Consolas" panose="020B0609020204030204" pitchFamily="49" charset="0"/>
                 <a:ea typeface="微软雅黑" panose="020B0503020204020204" pitchFamily="34" charset="-122"/>
               </a:rPr>
-              <a:t>&lt;uses-permission android:name="android.permission.MOUNT_FORMAT_FILESYSTEMS</a:t>
-            </a:r>
-            <a:r>
-              <a:rPr lang="en-US" altLang="zh-CN" sz="2400" b="1" smtClean="0">
+              <a:t>&lt;</a:t>
+            </a:r>
+            <a:r>
+              <a:rPr lang="en-US" altLang="zh-CN" sz="2400" b="1" dirty="0">
                 <a:solidFill>
                   <a:schemeClr val="tx1">
                     <a:lumMod val="85000"/>
@@ -9892,15 +9709,10 @@
                 <a:latin typeface="Consolas" panose="020B0609020204030204" pitchFamily="49" charset="0"/>
                 <a:ea typeface="微软雅黑" panose="020B0503020204020204" pitchFamily="34" charset="-122"/>
               </a:rPr>
-              <a:t>"/&gt;</a:t>
-            </a:r>
-          </a:p>
-          <a:p>
-            <a:pPr>
-              <a:defRPr/>
-            </a:pPr>
-            <a:r>
-              <a:rPr lang="en-US" altLang="zh-CN" sz="2400" b="1">
+              <a:t>uses-permission </a:t>
+            </a:r>
+            <a:r>
+              <a:rPr lang="en-US" altLang="zh-CN" sz="2400" b="1" dirty="0" err="1">
                 <a:solidFill>
                   <a:schemeClr val="tx1">
                     <a:lumMod val="85000"/>
@@ -9910,10 +9722,10 @@
                 <a:latin typeface="Consolas" panose="020B0609020204030204" pitchFamily="49" charset="0"/>
                 <a:ea typeface="微软雅黑" panose="020B0503020204020204" pitchFamily="34" charset="-122"/>
               </a:rPr>
-              <a:t>&lt;uses-permission android:name="android.permission.READ_EXTERNAL_STORAGE" /&gt;</a:t>
-            </a:r>
-            <a:br>
-              <a:rPr lang="en-US" altLang="zh-CN" sz="2400" b="1">
+              <a:t>android:name</a:t>
+            </a:r>
+            <a:r>
+              <a:rPr lang="en-US" altLang="zh-CN" sz="2400" b="1" dirty="0">
                 <a:solidFill>
                   <a:schemeClr val="tx1">
                     <a:lumMod val="85000"/>
@@ -9923,9 +9735,10 @@
                 <a:latin typeface="Consolas" panose="020B0609020204030204" pitchFamily="49" charset="0"/>
                 <a:ea typeface="微软雅黑" panose="020B0503020204020204" pitchFamily="34" charset="-122"/>
               </a:rPr>
-            </a:br>
-            <a:r>
-              <a:rPr lang="en-US" altLang="zh-CN" sz="2400" b="1">
+              <a:t>="</a:t>
+            </a:r>
+            <a:r>
+              <a:rPr lang="en-US" altLang="zh-CN" sz="2400" b="1" dirty="0" err="1">
                 <a:solidFill>
                   <a:schemeClr val="tx1">
                     <a:lumMod val="85000"/>
@@ -9935,7 +9748,97 @@
                 <a:latin typeface="Consolas" panose="020B0609020204030204" pitchFamily="49" charset="0"/>
                 <a:ea typeface="微软雅黑" panose="020B0503020204020204" pitchFamily="34" charset="-122"/>
               </a:rPr>
-              <a:t>&lt;uses-permission android:name="android.permission.WRITE_EXTERNAL_STORAGE"/&gt;</a:t>
+              <a:t>android.permission.READ_EXTERNAL_STORAGE</a:t>
+            </a:r>
+            <a:r>
+              <a:rPr lang="en-US" altLang="zh-CN" sz="2400" b="1" dirty="0">
+                <a:solidFill>
+                  <a:schemeClr val="tx1">
+                    <a:lumMod val="85000"/>
+                    <a:lumOff val="15000"/>
+                  </a:schemeClr>
+                </a:solidFill>
+                <a:latin typeface="Consolas" panose="020B0609020204030204" pitchFamily="49" charset="0"/>
+                <a:ea typeface="微软雅黑" panose="020B0503020204020204" pitchFamily="34" charset="-122"/>
+              </a:rPr>
+              <a:t>" /&gt;</a:t>
+            </a:r>
+            <a:br>
+              <a:rPr lang="en-US" altLang="zh-CN" sz="2400" b="1" dirty="0">
+                <a:solidFill>
+                  <a:schemeClr val="tx1">
+                    <a:lumMod val="85000"/>
+                    <a:lumOff val="15000"/>
+                  </a:schemeClr>
+                </a:solidFill>
+                <a:latin typeface="Consolas" panose="020B0609020204030204" pitchFamily="49" charset="0"/>
+                <a:ea typeface="微软雅黑" panose="020B0503020204020204" pitchFamily="34" charset="-122"/>
+              </a:rPr>
+            </a:br>
+            <a:r>
+              <a:rPr lang="en-US" altLang="zh-CN" sz="2400" b="1" dirty="0">
+                <a:solidFill>
+                  <a:schemeClr val="tx1">
+                    <a:lumMod val="85000"/>
+                    <a:lumOff val="15000"/>
+                  </a:schemeClr>
+                </a:solidFill>
+                <a:latin typeface="Consolas" panose="020B0609020204030204" pitchFamily="49" charset="0"/>
+                <a:ea typeface="微软雅黑" panose="020B0503020204020204" pitchFamily="34" charset="-122"/>
+              </a:rPr>
+              <a:t>&lt;uses-permission </a:t>
+            </a:r>
+            <a:r>
+              <a:rPr lang="en-US" altLang="zh-CN" sz="2400" b="1" dirty="0" err="1">
+                <a:solidFill>
+                  <a:schemeClr val="tx1">
+                    <a:lumMod val="85000"/>
+                    <a:lumOff val="15000"/>
+                  </a:schemeClr>
+                </a:solidFill>
+                <a:latin typeface="Consolas" panose="020B0609020204030204" pitchFamily="49" charset="0"/>
+                <a:ea typeface="微软雅黑" panose="020B0503020204020204" pitchFamily="34" charset="-122"/>
+              </a:rPr>
+              <a:t>android:name</a:t>
+            </a:r>
+            <a:r>
+              <a:rPr lang="en-US" altLang="zh-CN" sz="2400" b="1" dirty="0">
+                <a:solidFill>
+                  <a:schemeClr val="tx1">
+                    <a:lumMod val="85000"/>
+                    <a:lumOff val="15000"/>
+                  </a:schemeClr>
+                </a:solidFill>
+                <a:latin typeface="Consolas" panose="020B0609020204030204" pitchFamily="49" charset="0"/>
+                <a:ea typeface="微软雅黑" panose="020B0503020204020204" pitchFamily="34" charset="-122"/>
+              </a:rPr>
+              <a:t>="</a:t>
+            </a:r>
+            <a:r>
+              <a:rPr lang="en-US" altLang="zh-CN" sz="2400" b="1" dirty="0" err="1">
+                <a:solidFill>
+                  <a:schemeClr val="tx1">
+                    <a:lumMod val="85000"/>
+                    <a:lumOff val="15000"/>
+                  </a:schemeClr>
+                </a:solidFill>
+                <a:latin typeface="Consolas" panose="020B0609020204030204" pitchFamily="49" charset="0"/>
+                <a:ea typeface="微软雅黑" panose="020B0503020204020204" pitchFamily="34" charset="-122"/>
+              </a:rPr>
+              <a:t>android.permission.WRITE_EXTERNAL_STORAGE</a:t>
+            </a:r>
+            <a:r>
+              <a:rPr lang="en-US" altLang="zh-CN" sz="2400" b="1" dirty="0">
+                <a:solidFill>
+                  <a:schemeClr val="tx1">
+                    <a:lumMod val="85000"/>
+                    <a:lumOff val="15000"/>
+                  </a:schemeClr>
+                </a:solidFill>
+                <a:latin typeface="Consolas" panose="020B0609020204030204" pitchFamily="49" charset="0"/>
+                <a:ea typeface="微软雅黑" panose="020B0503020204020204" pitchFamily="34" charset="-122"/>
+              </a:rPr>
+              <a:t>"/&gt;</a:t>
             </a:r>
           </a:p>
         </p:txBody>
@@ -12747,21 +12650,10 @@
                   </a:schemeClr>
                 </a:solidFill>
               </a:rPr>
-              <a:t>系统配置暂存的轻量级</a:t>
-            </a:r>
-            <a:r>
-              <a:rPr lang="zh-CN" altLang="en-US" sz="3200">
-                <a:solidFill>
-                  <a:schemeClr val="tx1">
-                    <a:lumMod val="85000"/>
-                    <a:lumOff val="15000"/>
-                  </a:schemeClr>
-                </a:solidFill>
-              </a:rPr>
-              <a:t>存储</a:t>
-            </a:r>
-            <a:r>
-              <a:rPr lang="zh-CN" altLang="en-US" sz="3200" smtClean="0">
+              <a:t>系统配置暂存的轻量级存储</a:t>
+            </a:r>
+            <a:r>
+              <a:rPr lang="zh-CN" altLang="en-US" sz="3200" dirty="0" smtClean="0">
                 <a:solidFill>
                   <a:schemeClr val="tx1">
                     <a:lumMod val="85000"/>
@@ -12772,7 +12664,7 @@
               <a:t>，</a:t>
             </a:r>
             <a:r>
-              <a:rPr lang="en-US" altLang="zh-CN" sz="3200">
+              <a:rPr lang="en-US" altLang="zh-CN" sz="3200" dirty="0" err="1">
                 <a:solidFill>
                   <a:schemeClr val="tx1">
                     <a:lumMod val="85000"/>
@@ -12783,7 +12675,7 @@
               <a:t>SharedPreferences</a:t>
             </a:r>
             <a:r>
-              <a:rPr lang="zh-CN" altLang="en-US" sz="3200" smtClean="0">
+              <a:rPr lang="zh-CN" altLang="en-US" sz="3200" dirty="0" smtClean="0">
                 <a:solidFill>
                   <a:schemeClr val="tx1">
                     <a:lumMod val="85000"/>
@@ -12816,7 +12708,7 @@
               <a:t>系统中的中小型存储机制，</a:t>
             </a:r>
             <a:r>
-              <a:rPr lang="en-US" altLang="zh-CN" sz="3200">
+              <a:rPr lang="en-US" altLang="zh-CN" sz="3200" dirty="0">
                 <a:solidFill>
                   <a:schemeClr val="tx1">
                     <a:lumMod val="85000"/>
@@ -12827,7 +12719,7 @@
               <a:t>File</a:t>
             </a:r>
             <a:r>
-              <a:rPr lang="zh-CN" altLang="en-US" sz="3200" smtClean="0">
+              <a:rPr lang="zh-CN" altLang="en-US" sz="3200" dirty="0" smtClean="0">
                 <a:solidFill>
                   <a:schemeClr val="tx1">
                     <a:lumMod val="85000"/>
@@ -12857,21 +12749,10 @@
                   </a:schemeClr>
                 </a:solidFill>
               </a:rPr>
-              <a:t>系统中的相对大型存储机制</a:t>
-            </a:r>
-            <a:r>
-              <a:rPr lang="zh-CN" altLang="en-US" sz="3200">
-                <a:solidFill>
-                  <a:schemeClr val="tx1">
-                    <a:lumMod val="85000"/>
-                    <a:lumOff val="15000"/>
-                  </a:schemeClr>
-                </a:solidFill>
-              </a:rPr>
-              <a:t>，</a:t>
-            </a:r>
-            <a:r>
-              <a:rPr lang="en-US" altLang="zh-CN" sz="3200" smtClean="0">
+              <a:t>系统中的相对大型存储机制，</a:t>
+            </a:r>
+            <a:r>
+              <a:rPr lang="en-US" altLang="zh-CN" sz="3200" dirty="0" smtClean="0">
                 <a:solidFill>
                   <a:schemeClr val="tx1">
                     <a:lumMod val="85000"/>
@@ -12882,7 +12763,7 @@
               <a:t>SQLite</a:t>
             </a:r>
             <a:r>
-              <a:rPr lang="zh-CN" altLang="en-US" sz="3200" smtClean="0">
+              <a:rPr lang="zh-CN" altLang="en-US" sz="3200" dirty="0" smtClean="0">
                 <a:solidFill>
                   <a:schemeClr val="tx1">
                     <a:lumMod val="85000"/>
@@ -12905,7 +12786,7 @@
       </p:sp>
       <p:pic>
         <p:nvPicPr>
-          <p:cNvPr id="2050" name="Picture 2"/>
+          <p:cNvPr id="2051" name="Picture 3"/>
           <p:cNvPicPr>
             <a:picLocks noChangeAspect="1" noChangeArrowheads="1"/>
           </p:cNvPicPr>
@@ -12926,8 +12807,8 @@
         </p:blipFill>
         <p:spPr bwMode="auto">
           <a:xfrm>
-            <a:off x="2351584" y="4099917"/>
-            <a:ext cx="2032645" cy="2333625"/>
+            <a:off x="8760296" y="4038952"/>
+            <a:ext cx="1929290" cy="2696781"/>
           </a:xfrm>
           <a:prstGeom prst="rect">
             <a:avLst/>
@@ -12959,7 +12840,7 @@
       </p:pic>
       <p:pic>
         <p:nvPicPr>
-          <p:cNvPr id="2051" name="Picture 3"/>
+          <p:cNvPr id="1027" name="Picture 3"/>
           <p:cNvPicPr>
             <a:picLocks noChangeAspect="1" noChangeArrowheads="1"/>
           </p:cNvPicPr>
@@ -12980,26 +12861,17 @@
         </p:blipFill>
         <p:spPr bwMode="auto">
           <a:xfrm>
-            <a:off x="8621885" y="3334146"/>
-            <a:ext cx="2217322" cy="3099395"/>
+            <a:off x="2135561" y="4005064"/>
+            <a:ext cx="1584176" cy="2647757"/>
           </a:xfrm>
           <a:prstGeom prst="rect">
             <a:avLst/>
           </a:prstGeom>
           <a:noFill/>
-          <a:ln w="9525">
-            <a:solidFill>
-              <a:schemeClr val="tx1"/>
-            </a:solidFill>
-            <a:miter lim="800000"/>
-            <a:headEnd/>
-            <a:tailEnd/>
+          <a:ln>
+            <a:noFill/>
           </a:ln>
-          <a:effectLst>
-            <a:outerShdw dist="35921" dir="2700000" algn="ctr" rotWithShape="0">
-              <a:schemeClr val="bg2"/>
-            </a:outerShdw>
-          </a:effectLst>
+          <a:effectLst/>
           <a:extLst>
             <a:ext uri="{909E8E84-426E-40DD-AFC4-6F175D3DCCD1}">
               <a14:hiddenFill xmlns:a14="http://schemas.microsoft.com/office/drawing/2010/main">
@@ -13007,13 +12879,32 @@
                   <a:schemeClr val="accent1"/>
                 </a:solidFill>
               </a14:hiddenFill>
+            </a:ext>
+            <a:ext uri="{91240B29-F687-4F45-9708-019B960494DF}">
+              <a14:hiddenLine xmlns:a14="http://schemas.microsoft.com/office/drawing/2010/main" w="9525">
+                <a:solidFill>
+                  <a:schemeClr val="tx1"/>
+                </a:solidFill>
+                <a:miter lim="800000"/>
+                <a:headEnd/>
+                <a:tailEnd/>
+              </a14:hiddenLine>
+            </a:ext>
+            <a:ext uri="{AF507438-7753-43E0-B8FC-AC1667EBCBE1}">
+              <a14:hiddenEffects xmlns:a14="http://schemas.microsoft.com/office/drawing/2010/main">
+                <a:effectLst>
+                  <a:outerShdw dist="35921" dir="2700000" algn="ctr" rotWithShape="0">
+                    <a:schemeClr val="bg2"/>
+                  </a:outerShdw>
+                </a:effectLst>
+              </a14:hiddenEffects>
             </a:ext>
           </a:extLst>
         </p:spPr>
       </p:pic>
       <p:pic>
         <p:nvPicPr>
-          <p:cNvPr id="2052" name="Picture 4"/>
+          <p:cNvPr id="1028" name="Picture 4"/>
           <p:cNvPicPr>
             <a:picLocks noChangeAspect="1" noChangeArrowheads="1"/>
           </p:cNvPicPr>
@@ -13034,26 +12925,17 @@
         </p:blipFill>
         <p:spPr bwMode="auto">
           <a:xfrm>
-            <a:off x="5159897" y="4099916"/>
-            <a:ext cx="2160240" cy="2333625"/>
+            <a:off x="5447929" y="4005063"/>
+            <a:ext cx="1594228" cy="2647757"/>
           </a:xfrm>
           <a:prstGeom prst="rect">
             <a:avLst/>
           </a:prstGeom>
           <a:noFill/>
-          <a:ln w="9525">
-            <a:solidFill>
-              <a:schemeClr val="tx1"/>
-            </a:solidFill>
-            <a:miter lim="800000"/>
-            <a:headEnd/>
-            <a:tailEnd/>
+          <a:ln>
+            <a:noFill/>
           </a:ln>
-          <a:effectLst>
-            <a:outerShdw dist="35921" dir="2700000" algn="ctr" rotWithShape="0">
-              <a:schemeClr val="bg2"/>
-            </a:outerShdw>
-          </a:effectLst>
+          <a:effectLst/>
           <a:extLst>
             <a:ext uri="{909E8E84-426E-40DD-AFC4-6F175D3DCCD1}">
               <a14:hiddenFill xmlns:a14="http://schemas.microsoft.com/office/drawing/2010/main">
@@ -13061,6 +12943,25 @@
                   <a:schemeClr val="accent1"/>
                 </a:solidFill>
               </a14:hiddenFill>
+            </a:ext>
+            <a:ext uri="{91240B29-F687-4F45-9708-019B960494DF}">
+              <a14:hiddenLine xmlns:a14="http://schemas.microsoft.com/office/drawing/2010/main" w="9525">
+                <a:solidFill>
+                  <a:schemeClr val="tx1"/>
+                </a:solidFill>
+                <a:miter lim="800000"/>
+                <a:headEnd/>
+                <a:tailEnd/>
+              </a14:hiddenLine>
+            </a:ext>
+            <a:ext uri="{AF507438-7753-43E0-B8FC-AC1667EBCBE1}">
+              <a14:hiddenEffects xmlns:a14="http://schemas.microsoft.com/office/drawing/2010/main">
+                <a:effectLst>
+                  <a:outerShdw dist="35921" dir="2700000" algn="ctr" rotWithShape="0">
+                    <a:schemeClr val="bg2"/>
+                  </a:outerShdw>
+                </a:effectLst>
+              </a14:hiddenEffects>
             </a:ext>
           </a:extLst>
         </p:spPr>
@@ -14488,9 +14389,35 @@
           </a:p>
         </p:txBody>
       </p:sp>
+      <p:sp>
+        <p:nvSpPr>
+          <p:cNvPr id="2" name="标题 1"/>
+          <p:cNvSpPr>
+            <a:spLocks noGrp="1"/>
+          </p:cNvSpPr>
+          <p:nvPr>
+            <p:ph type="title"/>
+          </p:nvPr>
+        </p:nvSpPr>
+        <p:spPr/>
+        <p:txBody>
+          <a:bodyPr/>
+          <a:lstStyle/>
+          <a:p>
+            <a:r>
+              <a:rPr lang="en-US" altLang="zh-CN"/>
+              <a:t>SharedPreferences</a:t>
+            </a:r>
+            <a:r>
+              <a:rPr lang="zh-CN" altLang="en-US"/>
+              <a:t>的使用</a:t>
+            </a:r>
+          </a:p>
+        </p:txBody>
+      </p:sp>
       <p:pic>
         <p:nvPicPr>
-          <p:cNvPr id="1027" name="Picture 3"/>
+          <p:cNvPr id="2050" name="Picture 2"/>
           <p:cNvPicPr>
             <a:picLocks noChangeAspect="1" noChangeArrowheads="1"/>
           </p:cNvPicPr>
@@ -14511,26 +14438,17 @@
         </p:blipFill>
         <p:spPr bwMode="auto">
           <a:xfrm>
-            <a:off x="8832304" y="2564904"/>
-            <a:ext cx="2534072" cy="3873659"/>
+            <a:off x="8729017" y="2204864"/>
+            <a:ext cx="2695575" cy="4505325"/>
           </a:xfrm>
           <a:prstGeom prst="rect">
             <a:avLst/>
           </a:prstGeom>
           <a:noFill/>
-          <a:ln w="9525">
-            <a:solidFill>
-              <a:schemeClr val="tx1"/>
-            </a:solidFill>
-            <a:miter lim="800000"/>
-            <a:headEnd/>
-            <a:tailEnd/>
+          <a:ln>
+            <a:noFill/>
           </a:ln>
-          <a:effectLst>
-            <a:outerShdw dist="35921" dir="2700000" algn="ctr" rotWithShape="0">
-              <a:schemeClr val="bg2"/>
-            </a:outerShdw>
-          </a:effectLst>
+          <a:effectLst/>
           <a:extLst>
             <a:ext uri="{909E8E84-426E-40DD-AFC4-6F175D3DCCD1}">
               <a14:hiddenFill xmlns:a14="http://schemas.microsoft.com/office/drawing/2010/main">
@@ -14538,36 +14456,29 @@
                   <a:schemeClr val="accent1"/>
                 </a:solidFill>
               </a14:hiddenFill>
+            </a:ext>
+            <a:ext uri="{91240B29-F687-4F45-9708-019B960494DF}">
+              <a14:hiddenLine xmlns:a14="http://schemas.microsoft.com/office/drawing/2010/main" w="9525">
+                <a:solidFill>
+                  <a:schemeClr val="tx1"/>
+                </a:solidFill>
+                <a:miter lim="800000"/>
+                <a:headEnd/>
+                <a:tailEnd/>
+              </a14:hiddenLine>
+            </a:ext>
+            <a:ext uri="{AF507438-7753-43E0-B8FC-AC1667EBCBE1}">
+              <a14:hiddenEffects xmlns:a14="http://schemas.microsoft.com/office/drawing/2010/main">
+                <a:effectLst>
+                  <a:outerShdw dist="35921" dir="2700000" algn="ctr" rotWithShape="0">
+                    <a:schemeClr val="bg2"/>
+                  </a:outerShdw>
+                </a:effectLst>
+              </a14:hiddenEffects>
             </a:ext>
           </a:extLst>
         </p:spPr>
       </p:pic>
-      <p:sp>
-        <p:nvSpPr>
-          <p:cNvPr id="2" name="标题 1"/>
-          <p:cNvSpPr>
-            <a:spLocks noGrp="1"/>
-          </p:cNvSpPr>
-          <p:nvPr>
-            <p:ph type="title"/>
-          </p:nvPr>
-        </p:nvSpPr>
-        <p:spPr/>
-        <p:txBody>
-          <a:bodyPr/>
-          <a:lstStyle/>
-          <a:p>
-            <a:r>
-              <a:rPr lang="en-US" altLang="zh-CN"/>
-              <a:t>SharedPreferences</a:t>
-            </a:r>
-            <a:r>
-              <a:rPr lang="zh-CN" altLang="en-US"/>
-              <a:t>的使用</a:t>
-            </a:r>
-          </a:p>
-        </p:txBody>
-      </p:sp>
     </p:spTree>
     <p:extLst>
       <p:ext uri="{BB962C8B-B14F-4D97-AF65-F5344CB8AC3E}">
@@ -14841,21 +14752,10 @@
                   </a:schemeClr>
                 </a:solidFill>
               </a:rPr>
-              <a:t>本身是一</a:t>
-            </a:r>
-            <a:r>
-              <a:rPr lang="zh-CN" altLang="en-US" sz="3200">
-                <a:solidFill>
-                  <a:schemeClr val="tx1">
-                    <a:lumMod val="85000"/>
-                    <a:lumOff val="15000"/>
-                  </a:schemeClr>
-                </a:solidFill>
-              </a:rPr>
-              <a:t>个</a:t>
-            </a:r>
-            <a:r>
-              <a:rPr lang="zh-CN" altLang="en-US" sz="3200" smtClean="0">
+              <a:t>本身是一个</a:t>
+            </a:r>
+            <a:r>
+              <a:rPr lang="zh-CN" altLang="en-US" sz="3200" dirty="0" smtClean="0">
                 <a:solidFill>
                   <a:schemeClr val="tx1">
                     <a:lumMod val="85000"/>
@@ -14866,7 +14766,7 @@
               <a:t>接口，无法</a:t>
             </a:r>
             <a:r>
-              <a:rPr lang="zh-CN" altLang="en-US" sz="3200">
+              <a:rPr lang="zh-CN" altLang="en-US" sz="3200" dirty="0">
                 <a:solidFill>
                   <a:schemeClr val="tx1">
                     <a:lumMod val="85000"/>
@@ -14877,7 +14777,7 @@
               <a:t>创建</a:t>
             </a:r>
             <a:r>
-              <a:rPr lang="zh-CN" altLang="en-US" sz="3200" smtClean="0">
+              <a:rPr lang="zh-CN" altLang="en-US" sz="3200" dirty="0" smtClean="0">
                 <a:solidFill>
                   <a:schemeClr val="tx1">
                     <a:lumMod val="85000"/>
@@ -14896,32 +14796,32 @@
                   </a:schemeClr>
                 </a:solidFill>
               </a:rPr>
-              <a:t>通过</a:t>
-            </a:r>
-            <a:r>
-              <a:rPr lang="zh-CN" altLang="en-US" sz="3200">
-                <a:solidFill>
-                  <a:schemeClr val="tx1">
-                    <a:lumMod val="85000"/>
-                    <a:lumOff val="15000"/>
-                  </a:schemeClr>
-                </a:solidFill>
-              </a:rPr>
-              <a:t>的</a:t>
-            </a:r>
-            <a:r>
-              <a:rPr lang="en-US" altLang="zh-CN" sz="3200" smtClean="0">
-                <a:solidFill>
-                  <a:schemeClr val="tx1">
-                    <a:lumMod val="85000"/>
-                    <a:lumOff val="15000"/>
-                  </a:schemeClr>
-                </a:solidFill>
-              </a:rPr>
-              <a:t>getSharedPreferences()</a:t>
-            </a:r>
-            <a:r>
-              <a:rPr lang="zh-CN" altLang="en-US" sz="3200" smtClean="0">
+              <a:t>通过的</a:t>
+            </a:r>
+            <a:r>
+              <a:rPr lang="en-US" altLang="zh-CN" sz="3200" dirty="0" err="1" smtClean="0">
+                <a:solidFill>
+                  <a:schemeClr val="tx1">
+                    <a:lumMod val="85000"/>
+                    <a:lumOff val="15000"/>
+                  </a:schemeClr>
+                </a:solidFill>
+              </a:rPr>
+              <a:t>getSharedPreferences</a:t>
+            </a:r>
+            <a:r>
+              <a:rPr lang="en-US" altLang="zh-CN" sz="3200" dirty="0" smtClean="0">
+                <a:solidFill>
+                  <a:schemeClr val="tx1">
+                    <a:lumMod val="85000"/>
+                    <a:lumOff val="15000"/>
+                  </a:schemeClr>
+                </a:solidFill>
+              </a:rPr>
+              <a:t>()</a:t>
+            </a:r>
+            <a:r>
+              <a:rPr lang="zh-CN" altLang="en-US" sz="3200" dirty="0" smtClean="0">
                 <a:solidFill>
                   <a:schemeClr val="tx1">
                     <a:lumMod val="85000"/>
@@ -14976,15 +14876,15 @@
           <a:p>
             <a:pPr lvl="1"/>
             <a:r>
-              <a:rPr lang="en-US" altLang="zh-CN" sz="3200" dirty="0" err="1">
-                <a:solidFill>
-                  <a:schemeClr val="tx1">
-                    <a:lumMod val="85000"/>
-                    <a:lumOff val="15000"/>
-                  </a:schemeClr>
-                </a:solidFill>
-              </a:rPr>
-              <a:t>Context.MODE_APPEND</a:t>
+              <a:rPr lang="en-US" altLang="zh-CN" sz="3200" dirty="0" err="1" smtClean="0">
+                <a:solidFill>
+                  <a:schemeClr val="tx1">
+                    <a:lumMod val="85000"/>
+                    <a:lumOff val="15000"/>
+                  </a:schemeClr>
+                </a:solidFill>
+              </a:rPr>
+              <a:t>Context.MODE_PRIVATE</a:t>
             </a:r>
             <a:r>
               <a:rPr lang="zh-CN" altLang="en-US" sz="3200" dirty="0">
@@ -14995,29 +14895,51 @@
                   </a:schemeClr>
                 </a:solidFill>
               </a:rPr>
-              <a:t>：</a:t>
-            </a:r>
-            <a:r>
-              <a:rPr lang="zh-CN" altLang="en-US" sz="3200">
-                <a:solidFill>
-                  <a:schemeClr val="tx1">
-                    <a:lumMod val="85000"/>
-                    <a:lumOff val="15000"/>
-                  </a:schemeClr>
-                </a:solidFill>
-              </a:rPr>
-              <a:t>添加</a:t>
-            </a:r>
-            <a:r>
-              <a:rPr lang="zh-CN" altLang="en-US" sz="3200" smtClean="0">
-                <a:solidFill>
-                  <a:schemeClr val="tx1">
-                    <a:lumMod val="85000"/>
-                    <a:lumOff val="15000"/>
-                  </a:schemeClr>
-                </a:solidFill>
-              </a:rPr>
-              <a:t>形式。</a:t>
+              <a:t>：本程序内</a:t>
+            </a:r>
+            <a:r>
+              <a:rPr lang="zh-CN" altLang="en-US" sz="3200" dirty="0" smtClean="0">
+                <a:solidFill>
+                  <a:schemeClr val="tx1">
+                    <a:lumMod val="85000"/>
+                    <a:lumOff val="15000"/>
+                  </a:schemeClr>
+                </a:solidFill>
+              </a:rPr>
+              <a:t>访问。</a:t>
+            </a:r>
+            <a:endParaRPr lang="en-US" altLang="zh-CN" sz="3200" dirty="0" smtClean="0">
+              <a:solidFill>
+                <a:schemeClr val="tx1">
+                  <a:lumMod val="85000"/>
+                  <a:lumOff val="15000"/>
+                </a:schemeClr>
+              </a:solidFill>
+            </a:endParaRPr>
+          </a:p>
+          <a:p>
+            <a:pPr lvl="1"/>
+            <a:r>
+              <a:rPr lang="en-US" altLang="zh-CN" sz="3200" strike="sngStrike" dirty="0" err="1">
+                <a:solidFill>
+                  <a:schemeClr val="tx1">
+                    <a:lumMod val="85000"/>
+                    <a:lumOff val="15000"/>
+                  </a:schemeClr>
+                </a:solidFill>
+              </a:rPr>
+              <a:t>Context.MODE_MULTI_PROCESS</a:t>
+            </a:r>
+            <a:r>
+              <a:rPr lang="zh-CN" altLang="en-US" sz="3200" dirty="0" smtClean="0">
+                <a:solidFill>
+                  <a:schemeClr val="tx1">
+                    <a:lumMod val="85000"/>
+                    <a:lumOff val="15000"/>
+                  </a:schemeClr>
+                </a:solidFill>
+              </a:rPr>
+              <a:t>：多进程形式。</a:t>
             </a:r>
             <a:endParaRPr lang="en-US" altLang="zh-CN" sz="3200" dirty="0">
               <a:solidFill>
@@ -15031,15 +14953,15 @@
           <a:p>
             <a:pPr lvl="1"/>
             <a:r>
-              <a:rPr lang="en-US" altLang="zh-CN" sz="3200" dirty="0" err="1">
-                <a:solidFill>
-                  <a:schemeClr val="tx1">
-                    <a:lumMod val="85000"/>
-                    <a:lumOff val="15000"/>
-                  </a:schemeClr>
-                </a:solidFill>
-              </a:rPr>
-              <a:t>Context.MODE_PRIVATE</a:t>
+              <a:rPr lang="en-US" altLang="zh-CN" sz="3200" strike="sngStrike" dirty="0" err="1">
+                <a:solidFill>
+                  <a:schemeClr val="tx1">
+                    <a:lumMod val="85000"/>
+                    <a:lumOff val="15000"/>
+                  </a:schemeClr>
+                </a:solidFill>
+              </a:rPr>
+              <a:t>Context.MODE_WORLD_READABLE</a:t>
             </a:r>
             <a:r>
               <a:rPr lang="zh-CN" altLang="en-US" sz="3200" dirty="0">
@@ -15050,29 +14972,18 @@
                   </a:schemeClr>
                 </a:solidFill>
               </a:rPr>
-              <a:t>：本程序</a:t>
-            </a:r>
-            <a:r>
-              <a:rPr lang="zh-CN" altLang="en-US" sz="3200">
-                <a:solidFill>
-                  <a:schemeClr val="tx1">
-                    <a:lumMod val="85000"/>
-                    <a:lumOff val="15000"/>
-                  </a:schemeClr>
-                </a:solidFill>
-              </a:rPr>
-              <a:t>内</a:t>
-            </a:r>
-            <a:r>
-              <a:rPr lang="zh-CN" altLang="en-US" sz="3200" smtClean="0">
-                <a:solidFill>
-                  <a:schemeClr val="tx1">
-                    <a:lumMod val="85000"/>
-                    <a:lumOff val="15000"/>
-                  </a:schemeClr>
-                </a:solidFill>
-              </a:rPr>
-              <a:t>访问。</a:t>
+              <a:t>：全局可</a:t>
+            </a:r>
+            <a:r>
+              <a:rPr lang="zh-CN" altLang="en-US" sz="3200" dirty="0" smtClean="0">
+                <a:solidFill>
+                  <a:schemeClr val="tx1">
+                    <a:lumMod val="85000"/>
+                    <a:lumOff val="15000"/>
+                  </a:schemeClr>
+                </a:solidFill>
+              </a:rPr>
+              <a:t>读。</a:t>
             </a:r>
             <a:endParaRPr lang="en-US" altLang="zh-CN" sz="3200" dirty="0">
               <a:solidFill>
@@ -15086,15 +14997,15 @@
           <a:p>
             <a:pPr lvl="1"/>
             <a:r>
-              <a:rPr lang="en-US" altLang="zh-CN" sz="3200" dirty="0" err="1">
-                <a:solidFill>
-                  <a:schemeClr val="tx1">
-                    <a:lumMod val="85000"/>
-                    <a:lumOff val="15000"/>
-                  </a:schemeClr>
-                </a:solidFill>
-              </a:rPr>
-              <a:t>Context.MODE_WORLD_READABLE</a:t>
+              <a:rPr lang="en-US" altLang="zh-CN" sz="3200" strike="sngStrike" dirty="0" err="1">
+                <a:solidFill>
+                  <a:schemeClr val="tx1">
+                    <a:lumMod val="85000"/>
+                    <a:lumOff val="15000"/>
+                  </a:schemeClr>
+                </a:solidFill>
+              </a:rPr>
+              <a:t>Context.MODE_WORLD_WRITEABLE</a:t>
             </a:r>
             <a:r>
               <a:rPr lang="zh-CN" altLang="en-US" sz="3200" dirty="0">
@@ -15105,76 +15016,10 @@
                   </a:schemeClr>
                 </a:solidFill>
               </a:rPr>
-              <a:t>：全局</a:t>
-            </a:r>
-            <a:r>
-              <a:rPr lang="zh-CN" altLang="en-US" sz="3200">
-                <a:solidFill>
-                  <a:schemeClr val="tx1">
-                    <a:lumMod val="85000"/>
-                    <a:lumOff val="15000"/>
-                  </a:schemeClr>
-                </a:solidFill>
-              </a:rPr>
-              <a:t>可</a:t>
-            </a:r>
-            <a:r>
-              <a:rPr lang="zh-CN" altLang="en-US" sz="3200" smtClean="0">
-                <a:solidFill>
-                  <a:schemeClr val="tx1">
-                    <a:lumMod val="85000"/>
-                    <a:lumOff val="15000"/>
-                  </a:schemeClr>
-                </a:solidFill>
-              </a:rPr>
-              <a:t>读。</a:t>
-            </a:r>
-            <a:endParaRPr lang="en-US" altLang="zh-CN" sz="3200" dirty="0">
-              <a:solidFill>
-                <a:schemeClr val="tx1">
-                  <a:lumMod val="85000"/>
-                  <a:lumOff val="15000"/>
-                </a:schemeClr>
-              </a:solidFill>
-            </a:endParaRPr>
-          </a:p>
-          <a:p>
-            <a:pPr lvl="1"/>
-            <a:r>
-              <a:rPr lang="en-US" altLang="zh-CN" sz="3200" dirty="0" err="1">
-                <a:solidFill>
-                  <a:schemeClr val="tx1">
-                    <a:lumMod val="85000"/>
-                    <a:lumOff val="15000"/>
-                  </a:schemeClr>
-                </a:solidFill>
-              </a:rPr>
-              <a:t>Context.MODE_WORLD_WRITEABLE</a:t>
-            </a:r>
-            <a:r>
-              <a:rPr lang="zh-CN" altLang="en-US" sz="3200" dirty="0">
-                <a:solidFill>
-                  <a:schemeClr val="tx1">
-                    <a:lumMod val="85000"/>
-                    <a:lumOff val="15000"/>
-                  </a:schemeClr>
-                </a:solidFill>
-              </a:rPr>
-              <a:t>：全局</a:t>
-            </a:r>
-            <a:r>
-              <a:rPr lang="zh-CN" altLang="en-US" sz="3200">
-                <a:solidFill>
-                  <a:schemeClr val="tx1">
-                    <a:lumMod val="85000"/>
-                    <a:lumOff val="15000"/>
-                  </a:schemeClr>
-                </a:solidFill>
-              </a:rPr>
-              <a:t>可</a:t>
-            </a:r>
-            <a:r>
-              <a:rPr lang="zh-CN" altLang="en-US" sz="3200" smtClean="0">
+              <a:t>：全局可</a:t>
+            </a:r>
+            <a:r>
+              <a:rPr lang="zh-CN" altLang="en-US" sz="3200" dirty="0" smtClean="0">
                 <a:solidFill>
                   <a:schemeClr val="tx1">
                     <a:lumMod val="85000"/>
